--- a/1. Lectures/Introducción a la Optimización aplicada a Sistemas de Energía Eléctrica/1. Presentación.pptx
+++ b/1. Lectures/Introducción a la Optimización aplicada a Sistemas de Energía Eléctrica/1. Presentación.pptx
@@ -5,16 +5,18 @@
     <p:sldMasterId id="2147483732" r:id="rId1"/>
   </p:sldMasterIdLst>
   <p:notesMasterIdLst>
-    <p:notesMasterId r:id="rId6"/>
+    <p:notesMasterId r:id="rId8"/>
   </p:notesMasterIdLst>
   <p:handoutMasterIdLst>
-    <p:handoutMasterId r:id="rId7"/>
+    <p:handoutMasterId r:id="rId9"/>
   </p:handoutMasterIdLst>
   <p:sldIdLst>
     <p:sldId id="256" r:id="rId2"/>
     <p:sldId id="393" r:id="rId3"/>
-    <p:sldId id="258" r:id="rId4"/>
-    <p:sldId id="305" r:id="rId5"/>
+    <p:sldId id="395" r:id="rId4"/>
+    <p:sldId id="394" r:id="rId5"/>
+    <p:sldId id="258" r:id="rId6"/>
+    <p:sldId id="396" r:id="rId7"/>
   </p:sldIdLst>
   <p:sldSz cx="9144000" cy="6858000" type="screen4x3"/>
   <p:notesSz cx="6858000" cy="9144000"/>
@@ -120,8 +122,10 @@
           <p14:sldIdLst>
             <p14:sldId id="256"/>
             <p14:sldId id="393"/>
+            <p14:sldId id="395"/>
+            <p14:sldId id="394"/>
             <p14:sldId id="258"/>
-            <p14:sldId id="305"/>
+            <p14:sldId id="396"/>
           </p14:sldIdLst>
         </p14:section>
       </p14:sectionLst>
@@ -142,6 +146,18 @@
     </p:ext>
   </p:extLst>
 </p:presentation>
+</file>
+
+<file path=ppt/commentAuthors.xml><?xml version="1.0" encoding="utf-8"?>
+<p:cmAuthorLst xmlns:a="http://schemas.openxmlformats.org/drawingml/2006/main" xmlns:r="http://schemas.openxmlformats.org/officeDocument/2006/relationships" xmlns:p="http://schemas.openxmlformats.org/presentationml/2006/main">
+  <p:cmAuthor id="1" name="Erik AQ" initials="EA" lastIdx="1" clrIdx="0">
+    <p:extLst>
+      <p:ext uri="{19B8F6BF-5375-455C-9EA6-DF929625EA0E}">
+        <p15:presenceInfo xmlns:p15="http://schemas.microsoft.com/office/powerpoint/2012/main" userId="b1f3b766d9c7ebb4" providerId="Windows Live"/>
+      </p:ext>
+    </p:extLst>
+  </p:cmAuthor>
+</p:cmAuthorLst>
 </file>
 
 <file path=ppt/handoutMasters/handoutMaster1.xml><?xml version="1.0" encoding="utf-8"?>
@@ -843,7 +859,7 @@
             <a:fld id="{8AD6E850-6E96-4E89-86F1-2DE46BB95531}" type="slidenum">
               <a:rPr lang="es-ES" smtClean="0"/>
               <a:pPr/>
-              <a:t>3</a:t>
+              <a:t>5</a:t>
             </a:fld>
             <a:endParaRPr lang="es-ES"/>
           </a:p>
@@ -5316,13 +5332,230 @@
           </a:lstStyle>
           <a:p>
             <a:r>
-              <a:rPr lang="en-US" altLang="en-US" dirty="0" err="1"/>
-              <a:t>Tema</a:t>
-            </a:r>
-            <a:r>
-              <a:rPr lang="en-US" altLang="en-US" dirty="0"/>
-              <a:t> 1</a:t>
-            </a:r>
+              <a:rPr lang="es-PE" altLang="en-US" dirty="0"/>
+              <a:t>Detalles del Curso</a:t>
+            </a:r>
+          </a:p>
+        </p:txBody>
+      </p:sp>
+      <p:sp>
+        <p:nvSpPr>
+          <p:cNvPr id="13" name="CuadroTexto 12"/>
+          <p:cNvSpPr txBox="1"/>
+          <p:nvPr/>
+        </p:nvSpPr>
+        <p:spPr>
+          <a:xfrm>
+            <a:off x="614940" y="980728"/>
+            <a:ext cx="6765372" cy="2862322"/>
+          </a:xfrm>
+          <a:prstGeom prst="rect">
+            <a:avLst/>
+          </a:prstGeom>
+          <a:noFill/>
+        </p:spPr>
+        <p:txBody>
+          <a:bodyPr wrap="square" rtlCol="0">
+            <a:spAutoFit/>
+          </a:bodyPr>
+          <a:lstStyle/>
+          <a:p>
+            <a:pPr marL="285750" indent="-285750" algn="just">
+              <a:buFont typeface="Arial" panose="020B0604020202020204" pitchFamily="34" charset="0"/>
+              <a:buChar char="•"/>
+            </a:pPr>
+            <a:r>
+              <a:rPr lang="es-PE" dirty="0"/>
+              <a:t>Horario: </a:t>
+            </a:r>
+          </a:p>
+          <a:p>
+            <a:pPr marL="742950" lvl="1" indent="-285750" algn="just">
+              <a:buFont typeface="Arial" panose="020B0604020202020204" pitchFamily="34" charset="0"/>
+              <a:buChar char="•"/>
+            </a:pPr>
+            <a:r>
+              <a:rPr lang="es-PE" dirty="0"/>
+              <a:t>Lunes 11/03 y </a:t>
+            </a:r>
+            <a:r>
+              <a:rPr lang="es-PE" dirty="0" err="1"/>
+              <a:t>Miercoles</a:t>
+            </a:r>
+            <a:r>
+              <a:rPr lang="es-PE" dirty="0"/>
+              <a:t> 13/03 de 19:00 </a:t>
+            </a:r>
+            <a:r>
+              <a:rPr lang="es-PE" dirty="0" err="1"/>
+              <a:t>hras</a:t>
+            </a:r>
+            <a:r>
+              <a:rPr lang="es-PE" dirty="0"/>
+              <a:t> hasta las 22:00</a:t>
+            </a:r>
+          </a:p>
+          <a:p>
+            <a:pPr marL="742950" lvl="1" indent="-285750" algn="just">
+              <a:buFont typeface="Arial" panose="020B0604020202020204" pitchFamily="34" charset="0"/>
+              <a:buChar char="•"/>
+            </a:pPr>
+            <a:r>
+              <a:rPr lang="es-PE" dirty="0"/>
+              <a:t>Viernes 15/03 de 16:00 </a:t>
+            </a:r>
+            <a:r>
+              <a:rPr lang="es-PE" dirty="0" err="1"/>
+              <a:t>hras</a:t>
+            </a:r>
+            <a:r>
+              <a:rPr lang="es-PE" dirty="0"/>
+              <a:t> hasta las 19:00hras</a:t>
+            </a:r>
+          </a:p>
+          <a:p>
+            <a:pPr algn="just"/>
+            <a:r>
+              <a:rPr lang="es-PE" dirty="0"/>
+              <a:t>	(intervalos de 20 minutos)</a:t>
+            </a:r>
+          </a:p>
+          <a:p>
+            <a:pPr marL="285750" indent="-285750" algn="just">
+              <a:buFont typeface="Arial" panose="020B0604020202020204" pitchFamily="34" charset="0"/>
+              <a:buChar char="•"/>
+            </a:pPr>
+            <a:r>
+              <a:rPr lang="es-PE" dirty="0"/>
+              <a:t>Material, </a:t>
+            </a:r>
+            <a:r>
+              <a:rPr lang="es-PE" dirty="0" err="1"/>
+              <a:t>sgte</a:t>
+            </a:r>
+            <a:r>
+              <a:rPr lang="es-PE" dirty="0"/>
+              <a:t>. link:</a:t>
+            </a:r>
+          </a:p>
+          <a:p>
+            <a:pPr marL="742950" lvl="1" indent="-285750" algn="just">
+              <a:buFont typeface="Arial" panose="020B0604020202020204" pitchFamily="34" charset="0"/>
+              <a:buChar char="•"/>
+            </a:pPr>
+            <a:r>
+              <a:rPr lang="es-PE" dirty="0">
+                <a:hlinkClick r:id="rId2"/>
+              </a:rPr>
+              <a:t>GitHub - </a:t>
+            </a:r>
+            <a:r>
+              <a:rPr lang="es-PE" dirty="0" err="1">
+                <a:hlinkClick r:id="rId2"/>
+              </a:rPr>
+              <a:t>erikfilias</a:t>
+            </a:r>
+            <a:r>
+              <a:rPr lang="es-PE" dirty="0">
+                <a:hlinkClick r:id="rId2"/>
+              </a:rPr>
+              <a:t>/</a:t>
+            </a:r>
+            <a:r>
+              <a:rPr lang="es-PE" dirty="0" err="1">
+                <a:hlinkClick r:id="rId2"/>
+              </a:rPr>
+              <a:t>Power</a:t>
+            </a:r>
+            <a:r>
+              <a:rPr lang="es-PE" dirty="0">
+                <a:hlinkClick r:id="rId2"/>
+              </a:rPr>
+              <a:t>-</a:t>
+            </a:r>
+            <a:r>
+              <a:rPr lang="es-PE" dirty="0" err="1">
+                <a:hlinkClick r:id="rId2"/>
+              </a:rPr>
+              <a:t>Systems</a:t>
+            </a:r>
+            <a:r>
+              <a:rPr lang="es-PE" dirty="0">
+                <a:hlinkClick r:id="rId2"/>
+              </a:rPr>
+              <a:t>-</a:t>
+            </a:r>
+            <a:r>
+              <a:rPr lang="es-PE" dirty="0" err="1">
+                <a:hlinkClick r:id="rId2"/>
+              </a:rPr>
+              <a:t>Optimization</a:t>
+            </a:r>
+            <a:r>
+              <a:rPr lang="es-PE" dirty="0">
+                <a:hlinkClick r:id="rId2"/>
+              </a:rPr>
+              <a:t>-</a:t>
+            </a:r>
+            <a:r>
+              <a:rPr lang="es-PE" dirty="0" err="1">
+                <a:hlinkClick r:id="rId2"/>
+              </a:rPr>
+              <a:t>using</a:t>
+            </a:r>
+            <a:r>
+              <a:rPr lang="es-PE" dirty="0">
+                <a:hlinkClick r:id="rId2"/>
+              </a:rPr>
+              <a:t>-Julia-</a:t>
+            </a:r>
+            <a:r>
+              <a:rPr lang="es-PE" dirty="0" err="1">
+                <a:hlinkClick r:id="rId2"/>
+              </a:rPr>
+              <a:t>Language</a:t>
+            </a:r>
+            <a:endParaRPr lang="es-PE" dirty="0"/>
+          </a:p>
+          <a:p>
+            <a:pPr marL="285750" indent="-285750" algn="just">
+              <a:buFont typeface="Arial" panose="020B0604020202020204" pitchFamily="34" charset="0"/>
+              <a:buChar char="•"/>
+            </a:pPr>
+            <a:r>
+              <a:rPr lang="es-PE" dirty="0"/>
+              <a:t>Emails:</a:t>
+            </a:r>
+          </a:p>
+          <a:p>
+            <a:pPr marL="742950" lvl="1" indent="-285750" algn="just">
+              <a:buFont typeface="Arial" panose="020B0604020202020204" pitchFamily="34" charset="0"/>
+              <a:buChar char="•"/>
+            </a:pPr>
+            <a:r>
+              <a:rPr lang="es-PE" dirty="0">
+                <a:hlinkClick r:id="rId3"/>
+              </a:rPr>
+              <a:t>jchavez@ieee.org</a:t>
+            </a:r>
+            <a:endParaRPr lang="es-PE" dirty="0"/>
+          </a:p>
+          <a:p>
+            <a:pPr marL="742950" lvl="1" indent="-285750" algn="just">
+              <a:buFont typeface="Arial" panose="020B0604020202020204" pitchFamily="34" charset="0"/>
+              <a:buChar char="•"/>
+            </a:pPr>
+            <a:r>
+              <a:rPr lang="es-PE" dirty="0">
+                <a:hlinkClick r:id="rId4"/>
+              </a:rPr>
+              <a:t>ealvarez@ieee.org</a:t>
+            </a:r>
+            <a:endParaRPr lang="es-PE" dirty="0"/>
+          </a:p>
+          <a:p>
+            <a:pPr algn="just"/>
+            <a:endParaRPr lang="es-PE" dirty="0"/>
           </a:p>
         </p:txBody>
       </p:sp>
@@ -5385,6 +5618,603 @@
       </p:sp>
       <p:sp>
         <p:nvSpPr>
+          <p:cNvPr id="3" name="4 Título"/>
+          <p:cNvSpPr txBox="1">
+            <a:spLocks/>
+          </p:cNvSpPr>
+          <p:nvPr/>
+        </p:nvSpPr>
+        <p:spPr>
+          <a:xfrm>
+            <a:off x="611560" y="188640"/>
+            <a:ext cx="8784976" cy="457120"/>
+          </a:xfrm>
+          <a:prstGeom prst="rect">
+            <a:avLst/>
+          </a:prstGeom>
+        </p:spPr>
+        <p:txBody>
+          <a:bodyPr bIns="91440" anchor="b" anchorCtr="0">
+            <a:noAutofit/>
+          </a:bodyPr>
+          <a:lstStyle>
+            <a:lvl1pPr>
+              <a:spcBef>
+                <a:spcPct val="0"/>
+              </a:spcBef>
+              <a:buNone/>
+              <a:defRPr kumimoji="0" sz="2400">
+                <a:ln w="0"/>
+                <a:solidFill>
+                  <a:schemeClr val="tx2"/>
+                </a:solidFill>
+                <a:effectLst>
+                  <a:outerShdw blurRad="38100" dist="19050" dir="2700000" algn="tl" rotWithShape="0">
+                    <a:schemeClr val="dk1">
+                      <a:alpha val="40000"/>
+                    </a:schemeClr>
+                  </a:outerShdw>
+                </a:effectLst>
+                <a:latin typeface="+mj-lt"/>
+                <a:ea typeface="+mj-ea"/>
+                <a:cs typeface="+mj-cs"/>
+              </a:defRPr>
+            </a:lvl1pPr>
+          </a:lstStyle>
+          <a:p>
+            <a:r>
+              <a:rPr lang="es-PE" altLang="en-US" dirty="0"/>
+              <a:t>Sobre los autores</a:t>
+            </a:r>
+          </a:p>
+        </p:txBody>
+      </p:sp>
+      <p:sp>
+        <p:nvSpPr>
+          <p:cNvPr id="5" name="CuadroTexto 4"/>
+          <p:cNvSpPr txBox="1"/>
+          <p:nvPr/>
+        </p:nvSpPr>
+        <p:spPr>
+          <a:xfrm>
+            <a:off x="602191" y="1074499"/>
+            <a:ext cx="2083647" cy="400110"/>
+          </a:xfrm>
+          <a:prstGeom prst="rect">
+            <a:avLst/>
+          </a:prstGeom>
+          <a:noFill/>
+        </p:spPr>
+        <p:txBody>
+          <a:bodyPr wrap="none" rtlCol="0">
+            <a:spAutoFit/>
+          </a:bodyPr>
+          <a:lstStyle/>
+          <a:p>
+            <a:pPr>
+              <a:spcBef>
+                <a:spcPct val="0"/>
+              </a:spcBef>
+            </a:pPr>
+            <a:r>
+              <a:rPr lang="es-PE" sz="2000" dirty="0">
+                <a:ln w="0"/>
+                <a:solidFill>
+                  <a:schemeClr val="tx2">
+                    <a:lumMod val="50000"/>
+                  </a:schemeClr>
+                </a:solidFill>
+                <a:effectLst>
+                  <a:outerShdw blurRad="38100" dist="19050" dir="2700000" algn="tl" rotWithShape="0">
+                    <a:schemeClr val="dk1">
+                      <a:alpha val="40000"/>
+                    </a:schemeClr>
+                  </a:outerShdw>
+                </a:effectLst>
+                <a:latin typeface="+mj-lt"/>
+                <a:ea typeface="+mj-ea"/>
+                <a:cs typeface="+mj-cs"/>
+              </a:rPr>
+              <a:t>Jefferson Chávez </a:t>
+            </a:r>
+          </a:p>
+        </p:txBody>
+      </p:sp>
+      <p:pic>
+        <p:nvPicPr>
+          <p:cNvPr id="1026" name="Picture 2" descr="https://scontent-gru2-1.xx.fbcdn.net/v/t1.15752-9/52812882_408206759924938_8007977780501282816_n.jpg?_nc_cat=103&amp;_nc_ht=scontent-gru2-1.xx&amp;oh=4f5cc5bbd4d4f11c538ecde17e8662b4&amp;oe=5D1E1306"/>
+          <p:cNvPicPr>
+            <a:picLocks noChangeAspect="1" noChangeArrowheads="1"/>
+          </p:cNvPicPr>
+          <p:nvPr/>
+        </p:nvPicPr>
+        <p:blipFill>
+          <a:blip r:embed="rId2" cstate="print">
+            <a:extLst>
+              <a:ext uri="{28A0092B-C50C-407E-A947-70E740481C1C}">
+                <a14:useLocalDpi xmlns:a14="http://schemas.microsoft.com/office/drawing/2010/main" val="0"/>
+              </a:ext>
+            </a:extLst>
+          </a:blip>
+          <a:srcRect/>
+          <a:stretch>
+            <a:fillRect/>
+          </a:stretch>
+        </p:blipFill>
+        <p:spPr bwMode="auto">
+          <a:xfrm>
+            <a:off x="6228184" y="1052736"/>
+            <a:ext cx="1617106" cy="2286000"/>
+          </a:xfrm>
+          <a:prstGeom prst="roundRect">
+            <a:avLst/>
+          </a:prstGeom>
+          <a:noFill/>
+          <a:extLst>
+            <a:ext uri="{909E8E84-426E-40DD-AFC4-6F175D3DCCD1}">
+              <a14:hiddenFill xmlns:a14="http://schemas.microsoft.com/office/drawing/2010/main">
+                <a:solidFill>
+                  <a:srgbClr val="FFFFFF"/>
+                </a:solidFill>
+              </a14:hiddenFill>
+            </a:ext>
+          </a:extLst>
+        </p:spPr>
+      </p:pic>
+      <p:pic>
+        <p:nvPicPr>
+          <p:cNvPr id="1028" name="Picture 4" descr="https://scontent-gru2-1.xx.fbcdn.net/v/t1.15752-9/52550235_388350848624629_1964983954947702784_n.png?_nc_cat=110&amp;_nc_ht=scontent-gru2-1.xx&amp;oh=72e0ce3f6cc4c95de4725d62f7810f8d&amp;oe=5CEDB6D5"/>
+          <p:cNvPicPr>
+            <a:picLocks noChangeAspect="1" noChangeArrowheads="1"/>
+          </p:cNvPicPr>
+          <p:nvPr/>
+        </p:nvPicPr>
+        <p:blipFill>
+          <a:blip r:embed="rId3">
+            <a:extLst>
+              <a:ext uri="{28A0092B-C50C-407E-A947-70E740481C1C}">
+                <a14:useLocalDpi xmlns:a14="http://schemas.microsoft.com/office/drawing/2010/main" val="0"/>
+              </a:ext>
+            </a:extLst>
+          </a:blip>
+          <a:srcRect/>
+          <a:stretch>
+            <a:fillRect/>
+          </a:stretch>
+        </p:blipFill>
+        <p:spPr bwMode="auto">
+          <a:xfrm>
+            <a:off x="6165623" y="3519264"/>
+            <a:ext cx="1778001" cy="2286000"/>
+          </a:xfrm>
+          <a:prstGeom prst="roundRect">
+            <a:avLst/>
+          </a:prstGeom>
+          <a:noFill/>
+          <a:extLst>
+            <a:ext uri="{909E8E84-426E-40DD-AFC4-6F175D3DCCD1}">
+              <a14:hiddenFill xmlns:a14="http://schemas.microsoft.com/office/drawing/2010/main">
+                <a:solidFill>
+                  <a:srgbClr val="FFFFFF"/>
+                </a:solidFill>
+              </a14:hiddenFill>
+            </a:ext>
+          </a:extLst>
+        </p:spPr>
+      </p:pic>
+      <p:sp>
+        <p:nvSpPr>
+          <p:cNvPr id="6" name="CuadroTexto 5"/>
+          <p:cNvSpPr txBox="1"/>
+          <p:nvPr/>
+        </p:nvSpPr>
+        <p:spPr>
+          <a:xfrm>
+            <a:off x="614940" y="1443831"/>
+            <a:ext cx="4968552" cy="1754326"/>
+          </a:xfrm>
+          <a:prstGeom prst="rect">
+            <a:avLst/>
+          </a:prstGeom>
+          <a:noFill/>
+        </p:spPr>
+        <p:txBody>
+          <a:bodyPr wrap="square" rtlCol="0">
+            <a:spAutoFit/>
+          </a:bodyPr>
+          <a:lstStyle/>
+          <a:p>
+            <a:pPr algn="just"/>
+            <a:r>
+              <a:rPr lang="es-PE" dirty="0"/>
+              <a:t>Estudiante de Maestría en Ingeniería Eléctrica, en la </a:t>
+            </a:r>
+            <a:r>
+              <a:rPr lang="es-PE" dirty="0" err="1"/>
+              <a:t>Universidade</a:t>
+            </a:r>
+            <a:r>
+              <a:rPr lang="es-PE" dirty="0"/>
+              <a:t> Estadual de </a:t>
+            </a:r>
+            <a:r>
+              <a:rPr lang="es-PE" dirty="0" err="1"/>
+              <a:t>Campinas</a:t>
+            </a:r>
+            <a:r>
+              <a:rPr lang="es-PE" dirty="0"/>
+              <a:t>, SP-Brasil. Ingeniero Electricista de la Universidad Nacional de Ingeniería. Especialista de la Sub Dirección de Planificación del Comité de Operaciones del Sistema Interconectado Nacional (COES SINAC).</a:t>
+            </a:r>
+          </a:p>
+        </p:txBody>
+      </p:sp>
+      <p:sp>
+        <p:nvSpPr>
+          <p:cNvPr id="12" name="CuadroTexto 11"/>
+          <p:cNvSpPr txBox="1"/>
+          <p:nvPr/>
+        </p:nvSpPr>
+        <p:spPr>
+          <a:xfrm>
+            <a:off x="611560" y="3519264"/>
+            <a:ext cx="1435714" cy="400110"/>
+          </a:xfrm>
+          <a:prstGeom prst="rect">
+            <a:avLst/>
+          </a:prstGeom>
+          <a:noFill/>
+        </p:spPr>
+        <p:txBody>
+          <a:bodyPr wrap="none" rtlCol="0">
+            <a:spAutoFit/>
+          </a:bodyPr>
+          <a:lstStyle/>
+          <a:p>
+            <a:pPr>
+              <a:spcBef>
+                <a:spcPct val="0"/>
+              </a:spcBef>
+            </a:pPr>
+            <a:r>
+              <a:rPr lang="es-PE" sz="2000" dirty="0">
+                <a:ln w="0"/>
+                <a:solidFill>
+                  <a:schemeClr val="tx2">
+                    <a:lumMod val="50000"/>
+                  </a:schemeClr>
+                </a:solidFill>
+                <a:effectLst>
+                  <a:outerShdw blurRad="38100" dist="19050" dir="2700000" algn="tl" rotWithShape="0">
+                    <a:schemeClr val="dk1">
+                      <a:alpha val="40000"/>
+                    </a:schemeClr>
+                  </a:outerShdw>
+                </a:effectLst>
+                <a:latin typeface="+mj-lt"/>
+                <a:ea typeface="+mj-ea"/>
+                <a:cs typeface="+mj-cs"/>
+              </a:rPr>
+              <a:t>Erik Alvarez</a:t>
+            </a:r>
+          </a:p>
+        </p:txBody>
+      </p:sp>
+      <p:sp>
+        <p:nvSpPr>
+          <p:cNvPr id="13" name="CuadroTexto 12"/>
+          <p:cNvSpPr txBox="1"/>
+          <p:nvPr/>
+        </p:nvSpPr>
+        <p:spPr>
+          <a:xfrm>
+            <a:off x="614940" y="3888596"/>
+            <a:ext cx="4968552" cy="2031325"/>
+          </a:xfrm>
+          <a:prstGeom prst="rect">
+            <a:avLst/>
+          </a:prstGeom>
+          <a:noFill/>
+        </p:spPr>
+        <p:txBody>
+          <a:bodyPr wrap="square" rtlCol="0">
+            <a:spAutoFit/>
+          </a:bodyPr>
+          <a:lstStyle/>
+          <a:p>
+            <a:pPr algn="just"/>
+            <a:r>
+              <a:rPr lang="es-PE" dirty="0"/>
+              <a:t>Estudiante de Maestría en Ingeniería Eléctrica, en la </a:t>
+            </a:r>
+            <a:r>
+              <a:rPr lang="es-PE" dirty="0" err="1"/>
+              <a:t>Universidade</a:t>
+            </a:r>
+            <a:r>
+              <a:rPr lang="es-PE" dirty="0"/>
+              <a:t> Estadual de </a:t>
+            </a:r>
+            <a:r>
+              <a:rPr lang="es-PE" dirty="0" err="1"/>
+              <a:t>Campinas</a:t>
+            </a:r>
+            <a:r>
+              <a:rPr lang="es-PE" dirty="0"/>
+              <a:t>, SP-Brasil. Ingeniero Mecánico y Electricista de la Universidad Nacional de Ingeniería. Se desempeñó como Asistente del Área Comercial de CONEHUA y Practicante de la Sub Dirección de Planificación del Comité de Operaciones del Sistema Interconectado Nacional (COES SINAC).</a:t>
+            </a:r>
+          </a:p>
+        </p:txBody>
+      </p:sp>
+    </p:spTree>
+    <p:extLst>
+      <p:ext uri="{BB962C8B-B14F-4D97-AF65-F5344CB8AC3E}">
+        <p14:creationId xmlns:p14="http://schemas.microsoft.com/office/powerpoint/2010/main" val="2542314251"/>
+      </p:ext>
+    </p:extLst>
+  </p:cSld>
+  <p:clrMapOvr>
+    <a:masterClrMapping/>
+  </p:clrMapOvr>
+  <p:transition spd="slow">
+    <p:fade/>
+  </p:transition>
+</p:sld>
+</file>
+
+<file path=ppt/slides/slide4.xml><?xml version="1.0" encoding="utf-8"?>
+<p:sld xmlns:a="http://schemas.openxmlformats.org/drawingml/2006/main" xmlns:r="http://schemas.openxmlformats.org/officeDocument/2006/relationships" xmlns:p="http://schemas.openxmlformats.org/presentationml/2006/main">
+  <p:cSld>
+    <p:spTree>
+      <p:nvGrpSpPr>
+        <p:cNvPr id="1" name=""/>
+        <p:cNvGrpSpPr/>
+        <p:nvPr/>
+      </p:nvGrpSpPr>
+      <p:grpSpPr>
+        <a:xfrm>
+          <a:off x="0" y="0"/>
+          <a:ext cx="0" cy="0"/>
+          <a:chOff x="0" y="0"/>
+          <a:chExt cx="0" cy="0"/>
+        </a:xfrm>
+      </p:grpSpPr>
+      <p:sp>
+        <p:nvSpPr>
+          <p:cNvPr id="2" name="Marcador de número de diapositiva 1"/>
+          <p:cNvSpPr>
+            <a:spLocks noGrp="1"/>
+          </p:cNvSpPr>
+          <p:nvPr>
+            <p:ph type="sldNum" sz="quarter" idx="12"/>
+          </p:nvPr>
+        </p:nvSpPr>
+        <p:spPr/>
+        <p:txBody>
+          <a:bodyPr/>
+          <a:lstStyle/>
+          <a:p>
+            <a:fld id="{64BD7E74-CBD2-4D88-9109-2EA8081AE675}" type="slidenum">
+              <a:rPr lang="es-ES" smtClean="0"/>
+              <a:pPr/>
+              <a:t>4</a:t>
+            </a:fld>
+            <a:endParaRPr lang="es-ES"/>
+          </a:p>
+        </p:txBody>
+      </p:sp>
+      <p:sp>
+        <p:nvSpPr>
+          <p:cNvPr id="3" name="4 Título"/>
+          <p:cNvSpPr txBox="1">
+            <a:spLocks/>
+          </p:cNvSpPr>
+          <p:nvPr/>
+        </p:nvSpPr>
+        <p:spPr>
+          <a:xfrm>
+            <a:off x="611560" y="188640"/>
+            <a:ext cx="8784976" cy="457120"/>
+          </a:xfrm>
+          <a:prstGeom prst="rect">
+            <a:avLst/>
+          </a:prstGeom>
+        </p:spPr>
+        <p:txBody>
+          <a:bodyPr bIns="91440" anchor="b" anchorCtr="0">
+            <a:noAutofit/>
+          </a:bodyPr>
+          <a:lstStyle>
+            <a:lvl1pPr>
+              <a:spcBef>
+                <a:spcPct val="0"/>
+              </a:spcBef>
+              <a:buNone/>
+              <a:defRPr kumimoji="0" sz="2400">
+                <a:ln w="0"/>
+                <a:solidFill>
+                  <a:schemeClr val="tx2"/>
+                </a:solidFill>
+                <a:effectLst>
+                  <a:outerShdw blurRad="38100" dist="19050" dir="2700000" algn="tl" rotWithShape="0">
+                    <a:schemeClr val="dk1">
+                      <a:alpha val="40000"/>
+                    </a:schemeClr>
+                  </a:outerShdw>
+                </a:effectLst>
+                <a:latin typeface="+mj-lt"/>
+                <a:ea typeface="+mj-ea"/>
+                <a:cs typeface="+mj-cs"/>
+              </a:defRPr>
+            </a:lvl1pPr>
+          </a:lstStyle>
+          <a:p>
+            <a:r>
+              <a:rPr lang="es-PE" altLang="en-US" dirty="0"/>
+              <a:t>Objetivos</a:t>
+            </a:r>
+          </a:p>
+        </p:txBody>
+      </p:sp>
+      <p:sp>
+        <p:nvSpPr>
+          <p:cNvPr id="4" name="CuadroTexto 3"/>
+          <p:cNvSpPr txBox="1"/>
+          <p:nvPr/>
+        </p:nvSpPr>
+        <p:spPr>
+          <a:xfrm>
+            <a:off x="611561" y="980728"/>
+            <a:ext cx="7776863" cy="4524315"/>
+          </a:xfrm>
+          <a:prstGeom prst="rect">
+            <a:avLst/>
+          </a:prstGeom>
+          <a:noFill/>
+        </p:spPr>
+        <p:txBody>
+          <a:bodyPr wrap="square" rtlCol="0">
+            <a:spAutoFit/>
+          </a:bodyPr>
+          <a:lstStyle/>
+          <a:p>
+            <a:pPr marL="285750" indent="-285750">
+              <a:buFont typeface="Arial" panose="020B0604020202020204" pitchFamily="34" charset="0"/>
+              <a:buChar char="•"/>
+            </a:pPr>
+            <a:r>
+              <a:rPr lang="es-PE" sz="2400" dirty="0">
+                <a:cs typeface="Calibri" panose="020F0502020204030204" pitchFamily="34" charset="0"/>
+              </a:rPr>
+              <a:t>Comprensión de aspectos teóricos y prácticos de la formulación de problemas de optimización aplica a sistemas de energía eléctrica.</a:t>
+            </a:r>
+          </a:p>
+          <a:p>
+            <a:pPr marL="285750" indent="-285750">
+              <a:buFont typeface="Arial" panose="020B0604020202020204" pitchFamily="34" charset="0"/>
+              <a:buChar char="•"/>
+            </a:pPr>
+            <a:endParaRPr lang="es-PE" sz="2400" dirty="0">
+              <a:cs typeface="Calibri" panose="020F0502020204030204" pitchFamily="34" charset="0"/>
+            </a:endParaRPr>
+          </a:p>
+          <a:p>
+            <a:pPr marL="285750" indent="-285750">
+              <a:buFont typeface="Arial" panose="020B0604020202020204" pitchFamily="34" charset="0"/>
+              <a:buChar char="•"/>
+            </a:pPr>
+            <a:r>
+              <a:rPr lang="es-PE" sz="2400" dirty="0">
+                <a:cs typeface="Calibri" panose="020F0502020204030204" pitchFamily="34" charset="0"/>
+              </a:rPr>
+              <a:t>Desarrollo de herramientas matemáticas de programación lineal entera mixta y programación no lineal entera mixta con el fin de dar solución a problemas de optimización aplicada a sistemas de energía eléctrica.</a:t>
+            </a:r>
+          </a:p>
+          <a:p>
+            <a:pPr marL="285750" indent="-285750">
+              <a:buFont typeface="Arial" panose="020B0604020202020204" pitchFamily="34" charset="0"/>
+              <a:buChar char="•"/>
+            </a:pPr>
+            <a:endParaRPr lang="es-PE" sz="2400" dirty="0">
+              <a:cs typeface="Calibri" panose="020F0502020204030204" pitchFamily="34" charset="0"/>
+            </a:endParaRPr>
+          </a:p>
+          <a:p>
+            <a:pPr marL="285750" indent="-285750">
+              <a:buFont typeface="Arial" panose="020B0604020202020204" pitchFamily="34" charset="0"/>
+              <a:buChar char="•"/>
+            </a:pPr>
+            <a:r>
+              <a:rPr lang="es-PE" sz="2400" dirty="0">
+                <a:cs typeface="Calibri" panose="020F0502020204030204" pitchFamily="34" charset="0"/>
+              </a:rPr>
+              <a:t>Presentación de Julia &amp; </a:t>
+            </a:r>
+            <a:r>
+              <a:rPr lang="es-PE" sz="2400" dirty="0" err="1">
+                <a:cs typeface="Calibri" panose="020F0502020204030204" pitchFamily="34" charset="0"/>
+              </a:rPr>
+              <a:t>JuMP</a:t>
+            </a:r>
+            <a:r>
+              <a:rPr lang="es-PE" sz="2400" dirty="0">
+                <a:cs typeface="Calibri" panose="020F0502020204030204" pitchFamily="34" charset="0"/>
+              </a:rPr>
+              <a:t> como herramientas “Open-</a:t>
+            </a:r>
+            <a:r>
+              <a:rPr lang="es-PE" sz="2400" dirty="0" err="1">
+                <a:cs typeface="Calibri" panose="020F0502020204030204" pitchFamily="34" charset="0"/>
+              </a:rPr>
+              <a:t>Source</a:t>
+            </a:r>
+            <a:r>
+              <a:rPr lang="es-PE" sz="2400" dirty="0">
+                <a:cs typeface="Calibri" panose="020F0502020204030204" pitchFamily="34" charset="0"/>
+              </a:rPr>
+              <a:t>” de modelamiento matemático;  así como de los </a:t>
+            </a:r>
+            <a:r>
+              <a:rPr lang="es-PE" sz="2400" dirty="0" err="1">
+                <a:cs typeface="Calibri" panose="020F0502020204030204" pitchFamily="34" charset="0"/>
+              </a:rPr>
+              <a:t>solvers</a:t>
+            </a:r>
+            <a:r>
+              <a:rPr lang="es-PE" sz="2400" dirty="0">
+                <a:cs typeface="Calibri" panose="020F0502020204030204" pitchFamily="34" charset="0"/>
+              </a:rPr>
+              <a:t>: GLPK, IPOPT, CPLEX y </a:t>
+            </a:r>
+            <a:r>
+              <a:rPr lang="es-PE" sz="2400" dirty="0" err="1">
+                <a:cs typeface="Calibri" panose="020F0502020204030204" pitchFamily="34" charset="0"/>
+              </a:rPr>
+              <a:t>Mosek</a:t>
+            </a:r>
+            <a:r>
+              <a:rPr lang="es-PE" sz="2400" dirty="0">
+                <a:cs typeface="Calibri" panose="020F0502020204030204" pitchFamily="34" charset="0"/>
+              </a:rPr>
+              <a:t>.</a:t>
+            </a:r>
+          </a:p>
+        </p:txBody>
+      </p:sp>
+    </p:spTree>
+    <p:extLst>
+      <p:ext uri="{BB962C8B-B14F-4D97-AF65-F5344CB8AC3E}">
+        <p14:creationId xmlns:p14="http://schemas.microsoft.com/office/powerpoint/2010/main" val="444233046"/>
+      </p:ext>
+    </p:extLst>
+  </p:cSld>
+  <p:clrMapOvr>
+    <a:masterClrMapping/>
+  </p:clrMapOvr>
+  <p:transition spd="slow">
+    <p:fade/>
+  </p:transition>
+</p:sld>
+</file>
+
+<file path=ppt/slides/slide5.xml><?xml version="1.0" encoding="utf-8"?>
+<p:sld xmlns:a="http://schemas.openxmlformats.org/drawingml/2006/main" xmlns:r="http://schemas.openxmlformats.org/officeDocument/2006/relationships" xmlns:p="http://schemas.openxmlformats.org/presentationml/2006/main">
+  <p:cSld>
+    <p:spTree>
+      <p:nvGrpSpPr>
+        <p:cNvPr id="1" name=""/>
+        <p:cNvGrpSpPr/>
+        <p:nvPr/>
+      </p:nvGrpSpPr>
+      <p:grpSpPr>
+        <a:xfrm>
+          <a:off x="0" y="0"/>
+          <a:ext cx="0" cy="0"/>
+          <a:chOff x="0" y="0"/>
+          <a:chExt cx="0" cy="0"/>
+        </a:xfrm>
+      </p:grpSpPr>
+      <p:sp>
+        <p:nvSpPr>
           <p:cNvPr id="6" name="Rectangle 3"/>
           <p:cNvSpPr/>
           <p:nvPr/>
@@ -5501,6 +6331,36 @@
           <a:prstGeom prst="hexagon">
             <a:avLst/>
           </a:prstGeom>
+          <a:gradFill flip="none" rotWithShape="1">
+            <a:gsLst>
+              <a:gs pos="0">
+                <a:schemeClr val="accent2">
+                  <a:lumMod val="5000"/>
+                  <a:lumOff val="95000"/>
+                </a:schemeClr>
+              </a:gs>
+              <a:gs pos="74000">
+                <a:schemeClr val="accent2">
+                  <a:lumMod val="45000"/>
+                  <a:lumOff val="55000"/>
+                </a:schemeClr>
+              </a:gs>
+              <a:gs pos="83000">
+                <a:schemeClr val="accent2">
+                  <a:lumMod val="45000"/>
+                  <a:lumOff val="55000"/>
+                </a:schemeClr>
+              </a:gs>
+              <a:gs pos="100000">
+                <a:schemeClr val="accent2">
+                  <a:lumMod val="30000"/>
+                  <a:lumOff val="70000"/>
+                </a:schemeClr>
+              </a:gs>
+            </a:gsLst>
+            <a:lin ang="5400000" scaled="1"/>
+            <a:tileRect/>
+          </a:gradFill>
           <a:ln/>
         </p:spPr>
         <p:style>
@@ -5523,15 +6383,15 @@
           <a:p>
             <a:pPr algn="ctr"/>
             <a:r>
-              <a:rPr lang="en-US" sz="1200" dirty="0">
+              <a:rPr lang="es-PE" sz="1600" dirty="0">
                 <a:solidFill>
                   <a:schemeClr val="tx1"/>
                 </a:solidFill>
                 <a:latin typeface="Oswald" panose="02000506000000020004" pitchFamily="50"/>
               </a:rPr>
-              <a:t>Power System Optimization</a:t>
-            </a:r>
-            <a:endParaRPr lang="en-US" sz="900" dirty="0">
+              <a:t>Optimización</a:t>
+            </a:r>
+            <a:endParaRPr lang="es-PE" sz="1050" dirty="0">
               <a:solidFill>
                 <a:schemeClr val="tx1"/>
               </a:solidFill>
@@ -5554,6 +6414,36 @@
           <a:prstGeom prst="hexagon">
             <a:avLst/>
           </a:prstGeom>
+          <a:gradFill flip="none" rotWithShape="1">
+            <a:gsLst>
+              <a:gs pos="0">
+                <a:schemeClr val="accent6">
+                  <a:lumMod val="5000"/>
+                  <a:lumOff val="95000"/>
+                </a:schemeClr>
+              </a:gs>
+              <a:gs pos="74000">
+                <a:schemeClr val="accent6">
+                  <a:lumMod val="45000"/>
+                  <a:lumOff val="55000"/>
+                </a:schemeClr>
+              </a:gs>
+              <a:gs pos="83000">
+                <a:schemeClr val="accent6">
+                  <a:lumMod val="45000"/>
+                  <a:lumOff val="55000"/>
+                </a:schemeClr>
+              </a:gs>
+              <a:gs pos="100000">
+                <a:schemeClr val="accent6">
+                  <a:lumMod val="30000"/>
+                  <a:lumOff val="70000"/>
+                </a:schemeClr>
+              </a:gs>
+            </a:gsLst>
+            <a:lin ang="5400000" scaled="1"/>
+            <a:tileRect/>
+          </a:gradFill>
           <a:ln/>
         </p:spPr>
         <p:style>
@@ -5576,15 +6466,15 @@
           <a:p>
             <a:pPr algn="ctr"/>
             <a:r>
-              <a:rPr lang="en-US" sz="2400" dirty="0">
+              <a:rPr lang="es-PE" sz="2400" dirty="0">
                 <a:solidFill>
                   <a:schemeClr val="tx1"/>
                 </a:solidFill>
                 <a:latin typeface="Oswald" panose="02000506000000020004" pitchFamily="50"/>
               </a:rPr>
-              <a:t>Outline</a:t>
-            </a:r>
-            <a:endParaRPr lang="en-US" sz="1400" dirty="0">
+              <a:t>Temario</a:t>
+            </a:r>
+            <a:endParaRPr lang="es-PE" sz="1400" dirty="0">
               <a:solidFill>
                 <a:schemeClr val="tx1"/>
               </a:solidFill>
@@ -5607,17 +6497,47 @@
           <a:prstGeom prst="hexagon">
             <a:avLst/>
           </a:prstGeom>
+          <a:gradFill flip="none" rotWithShape="1">
+            <a:gsLst>
+              <a:gs pos="0">
+                <a:schemeClr val="accent2">
+                  <a:lumMod val="5000"/>
+                  <a:lumOff val="95000"/>
+                </a:schemeClr>
+              </a:gs>
+              <a:gs pos="74000">
+                <a:schemeClr val="accent2">
+                  <a:lumMod val="45000"/>
+                  <a:lumOff val="55000"/>
+                </a:schemeClr>
+              </a:gs>
+              <a:gs pos="83000">
+                <a:schemeClr val="accent2">
+                  <a:lumMod val="45000"/>
+                  <a:lumOff val="55000"/>
+                </a:schemeClr>
+              </a:gs>
+              <a:gs pos="100000">
+                <a:schemeClr val="accent2">
+                  <a:lumMod val="30000"/>
+                  <a:lumOff val="70000"/>
+                </a:schemeClr>
+              </a:gs>
+            </a:gsLst>
+            <a:lin ang="5400000" scaled="1"/>
+            <a:tileRect/>
+          </a:gradFill>
           <a:ln/>
         </p:spPr>
         <p:style>
           <a:lnRef idx="1">
-            <a:schemeClr val="accent1"/>
+            <a:schemeClr val="dk1"/>
           </a:lnRef>
           <a:fillRef idx="2">
-            <a:schemeClr val="accent1"/>
+            <a:schemeClr val="dk1"/>
           </a:fillRef>
           <a:effectRef idx="1">
-            <a:schemeClr val="accent1"/>
+            <a:schemeClr val="dk1"/>
           </a:effectRef>
           <a:fontRef idx="minor">
             <a:schemeClr val="dk1"/>
@@ -5629,26 +6549,29 @@
           <a:p>
             <a:pPr algn="ctr"/>
             <a:r>
-              <a:rPr lang="en-US" sz="1200" dirty="0">
+              <a:rPr lang="es-PE" sz="1600" dirty="0">
                 <a:solidFill>
                   <a:schemeClr val="tx1"/>
                 </a:solidFill>
                 <a:latin typeface="Oswald" panose="02000506000000020004" pitchFamily="50"/>
               </a:rPr>
-              <a:t>Semidefinite Relaxation</a:t>
-            </a:r>
-          </a:p>
-          <a:p>
-            <a:pPr algn="ctr"/>
-            <a:r>
-              <a:rPr lang="en-US" sz="1200" dirty="0">
+              <a:t>Julia </a:t>
+            </a:r>
+            <a:r>
+              <a:rPr lang="es-PE" sz="1600" dirty="0" err="1">
                 <a:solidFill>
                   <a:schemeClr val="tx1"/>
                 </a:solidFill>
                 <a:latin typeface="Oswald" panose="02000506000000020004" pitchFamily="50"/>
               </a:rPr>
-              <a:t> (SDP)</a:t>
-            </a:r>
+              <a:t>Language</a:t>
+            </a:r>
+            <a:endParaRPr lang="es-PE" sz="1600" dirty="0">
+              <a:solidFill>
+                <a:schemeClr val="tx1"/>
+              </a:solidFill>
+              <a:latin typeface="Oswald" panose="02000506000000020004" pitchFamily="50"/>
+            </a:endParaRPr>
           </a:p>
         </p:txBody>
       </p:sp>
@@ -5666,17 +6589,47 @@
           <a:prstGeom prst="hexagon">
             <a:avLst/>
           </a:prstGeom>
+          <a:gradFill flip="none" rotWithShape="1">
+            <a:gsLst>
+              <a:gs pos="0">
+                <a:schemeClr val="accent1">
+                  <a:lumMod val="5000"/>
+                  <a:lumOff val="95000"/>
+                </a:schemeClr>
+              </a:gs>
+              <a:gs pos="74000">
+                <a:schemeClr val="accent1">
+                  <a:lumMod val="45000"/>
+                  <a:lumOff val="55000"/>
+                </a:schemeClr>
+              </a:gs>
+              <a:gs pos="83000">
+                <a:schemeClr val="accent1">
+                  <a:lumMod val="45000"/>
+                  <a:lumOff val="55000"/>
+                </a:schemeClr>
+              </a:gs>
+              <a:gs pos="100000">
+                <a:schemeClr val="accent1">
+                  <a:lumMod val="30000"/>
+                  <a:lumOff val="70000"/>
+                </a:schemeClr>
+              </a:gs>
+            </a:gsLst>
+            <a:lin ang="5400000" scaled="1"/>
+            <a:tileRect/>
+          </a:gradFill>
           <a:ln/>
         </p:spPr>
         <p:style>
           <a:lnRef idx="1">
-            <a:schemeClr val="accent2"/>
+            <a:schemeClr val="dk1"/>
           </a:lnRef>
           <a:fillRef idx="2">
-            <a:schemeClr val="accent2"/>
+            <a:schemeClr val="dk1"/>
           </a:fillRef>
           <a:effectRef idx="1">
-            <a:schemeClr val="accent2"/>
+            <a:schemeClr val="dk1"/>
           </a:effectRef>
           <a:fontRef idx="minor">
             <a:schemeClr val="dk1"/>
@@ -5688,13 +6641,13 @@
           <a:p>
             <a:pPr algn="ctr"/>
             <a:r>
-              <a:rPr lang="en-US" sz="1200" dirty="0">
+              <a:rPr lang="es-PE" sz="1600" dirty="0">
                 <a:solidFill>
                   <a:schemeClr val="tx1"/>
                 </a:solidFill>
                 <a:latin typeface="Oswald" panose="02000506000000020004" pitchFamily="50"/>
               </a:rPr>
-              <a:t>Results</a:t>
+              <a:t>OPF</a:t>
             </a:r>
           </a:p>
         </p:txBody>
@@ -5713,17 +6666,47 @@
           <a:prstGeom prst="hexagon">
             <a:avLst/>
           </a:prstGeom>
+          <a:gradFill flip="none" rotWithShape="1">
+            <a:gsLst>
+              <a:gs pos="0">
+                <a:schemeClr val="accent2">
+                  <a:lumMod val="5000"/>
+                  <a:lumOff val="95000"/>
+                </a:schemeClr>
+              </a:gs>
+              <a:gs pos="74000">
+                <a:schemeClr val="accent2">
+                  <a:lumMod val="45000"/>
+                  <a:lumOff val="55000"/>
+                </a:schemeClr>
+              </a:gs>
+              <a:gs pos="83000">
+                <a:schemeClr val="accent2">
+                  <a:lumMod val="45000"/>
+                  <a:lumOff val="55000"/>
+                </a:schemeClr>
+              </a:gs>
+              <a:gs pos="100000">
+                <a:schemeClr val="accent2">
+                  <a:lumMod val="30000"/>
+                  <a:lumOff val="70000"/>
+                </a:schemeClr>
+              </a:gs>
+            </a:gsLst>
+            <a:lin ang="5400000" scaled="1"/>
+            <a:tileRect/>
+          </a:gradFill>
           <a:ln/>
         </p:spPr>
         <p:style>
           <a:lnRef idx="1">
-            <a:schemeClr val="accent4"/>
+            <a:schemeClr val="dk1"/>
           </a:lnRef>
           <a:fillRef idx="2">
-            <a:schemeClr val="accent4"/>
+            <a:schemeClr val="dk1"/>
           </a:fillRef>
           <a:effectRef idx="1">
-            <a:schemeClr val="accent4"/>
+            <a:schemeClr val="dk1"/>
           </a:effectRef>
           <a:fontRef idx="minor">
             <a:schemeClr val="dk1"/>
@@ -5735,13 +6718,13 @@
           <a:p>
             <a:pPr algn="ctr"/>
             <a:r>
-              <a:rPr lang="en-US" sz="1200" dirty="0">
+              <a:rPr lang="es-PE" sz="1600" dirty="0">
                 <a:solidFill>
                   <a:schemeClr val="tx1"/>
                 </a:solidFill>
                 <a:latin typeface="Oswald" panose="02000506000000020004" pitchFamily="50"/>
               </a:rPr>
-              <a:t>A SDP Formulation for the AC-OPF</a:t>
+              <a:t>LP &amp; MIP</a:t>
             </a:r>
           </a:p>
         </p:txBody>
@@ -5760,17 +6743,47 @@
           <a:prstGeom prst="hexagon">
             <a:avLst/>
           </a:prstGeom>
+          <a:gradFill flip="none" rotWithShape="1">
+            <a:gsLst>
+              <a:gs pos="0">
+                <a:schemeClr val="accent1">
+                  <a:lumMod val="5000"/>
+                  <a:lumOff val="95000"/>
+                </a:schemeClr>
+              </a:gs>
+              <a:gs pos="74000">
+                <a:schemeClr val="accent1">
+                  <a:lumMod val="45000"/>
+                  <a:lumOff val="55000"/>
+                </a:schemeClr>
+              </a:gs>
+              <a:gs pos="83000">
+                <a:schemeClr val="accent1">
+                  <a:lumMod val="45000"/>
+                  <a:lumOff val="55000"/>
+                </a:schemeClr>
+              </a:gs>
+              <a:gs pos="100000">
+                <a:schemeClr val="accent1">
+                  <a:lumMod val="30000"/>
+                  <a:lumOff val="70000"/>
+                </a:schemeClr>
+              </a:gs>
+            </a:gsLst>
+            <a:lin ang="5400000" scaled="1"/>
+            <a:tileRect/>
+          </a:gradFill>
           <a:ln/>
         </p:spPr>
         <p:style>
           <a:lnRef idx="1">
-            <a:schemeClr val="accent3"/>
+            <a:schemeClr val="dk1"/>
           </a:lnRef>
           <a:fillRef idx="2">
-            <a:schemeClr val="accent3"/>
+            <a:schemeClr val="dk1"/>
           </a:fillRef>
           <a:effectRef idx="1">
-            <a:schemeClr val="accent3"/>
+            <a:schemeClr val="dk1"/>
           </a:effectRef>
           <a:fontRef idx="minor">
             <a:schemeClr val="dk1"/>
@@ -5782,14 +6795,43 @@
           <a:p>
             <a:pPr algn="ctr"/>
             <a:r>
-              <a:rPr lang="en-US" sz="1200" dirty="0">
+              <a:rPr lang="es-PE" sz="1600" dirty="0">
                 <a:solidFill>
                   <a:schemeClr val="tx1"/>
                 </a:solidFill>
                 <a:latin typeface="Oswald" panose="02000506000000020004" pitchFamily="50"/>
               </a:rPr>
-              <a:t>ACTNEP &amp; RPP</a:t>
-            </a:r>
+              <a:t>PF</a:t>
+            </a:r>
+          </a:p>
+        </p:txBody>
+      </p:sp>
+      <p:sp>
+        <p:nvSpPr>
+          <p:cNvPr id="11" name="Marcador de número de diapositiva 1"/>
+          <p:cNvSpPr>
+            <a:spLocks noGrp="1"/>
+          </p:cNvSpPr>
+          <p:nvPr>
+            <p:ph type="sldNum" sz="quarter" idx="12"/>
+          </p:nvPr>
+        </p:nvSpPr>
+        <p:spPr>
+          <a:xfrm>
+            <a:off x="251520" y="6390697"/>
+            <a:ext cx="350671" cy="350671"/>
+          </a:xfrm>
+        </p:spPr>
+        <p:txBody>
+          <a:bodyPr/>
+          <a:lstStyle/>
+          <a:p>
+            <a:fld id="{64BD7E74-CBD2-4D88-9109-2EA8081AE675}" type="slidenum">
+              <a:rPr lang="es-ES" smtClean="0"/>
+              <a:pPr/>
+              <a:t>5</a:t>
+            </a:fld>
+            <a:endParaRPr lang="es-ES" dirty="0"/>
           </a:p>
         </p:txBody>
       </p:sp>
@@ -5818,7 +6860,7 @@
 </p:sld>
 </file>
 
-<file path=ppt/slides/slide4.xml><?xml version="1.0" encoding="utf-8"?>
+<file path=ppt/slides/slide6.xml><?xml version="1.0" encoding="utf-8"?>
 <p:sld xmlns:a="http://schemas.openxmlformats.org/drawingml/2006/main" xmlns:r="http://schemas.openxmlformats.org/officeDocument/2006/relationships" xmlns:p="http://schemas.openxmlformats.org/presentationml/2006/main">
   <p:cSld>
     <p:spTree>
@@ -5837,7 +6879,7 @@
       </p:grpSpPr>
       <p:sp>
         <p:nvSpPr>
-          <p:cNvPr id="3" name="Marcador de número de diapositiva 2"/>
+          <p:cNvPr id="2" name="Marcador de número de diapositiva 1"/>
           <p:cNvSpPr>
             <a:spLocks noGrp="1"/>
           </p:cNvSpPr>
@@ -5853,60 +6895,168 @@
             <a:fld id="{64BD7E74-CBD2-4D88-9109-2EA8081AE675}" type="slidenum">
               <a:rPr lang="es-ES" smtClean="0"/>
               <a:pPr/>
-              <a:t>4</a:t>
+              <a:t>6</a:t>
             </a:fld>
-            <a:endParaRPr lang="es-ES"/>
-          </a:p>
-        </p:txBody>
-      </p:sp>
-      <p:sp>
-        <p:nvSpPr>
-          <p:cNvPr id="7" name="TextBox 3"/>
-          <p:cNvSpPr txBox="1"/>
+            <a:endParaRPr lang="es-ES" dirty="0"/>
+          </a:p>
+        </p:txBody>
+      </p:sp>
+      <p:sp>
+        <p:nvSpPr>
+          <p:cNvPr id="3" name="4 Título"/>
+          <p:cNvSpPr txBox="1">
+            <a:spLocks/>
+          </p:cNvSpPr>
           <p:nvPr/>
         </p:nvSpPr>
         <p:spPr>
           <a:xfrm>
-            <a:off x="755576" y="1138137"/>
-            <a:ext cx="6459790" cy="1077218"/>
+            <a:off x="611560" y="188640"/>
+            <a:ext cx="8784976" cy="457120"/>
           </a:xfrm>
           <a:prstGeom prst="rect">
             <a:avLst/>
           </a:prstGeom>
-          <a:noFill/>
-        </p:spPr>
-        <p:txBody>
-          <a:bodyPr wrap="square" rtlCol="0">
-            <a:spAutoFit/>
+        </p:spPr>
+        <p:txBody>
+          <a:bodyPr bIns="91440" anchor="b" anchorCtr="0">
+            <a:noAutofit/>
           </a:bodyPr>
-          <a:lstStyle/>
-          <a:p>
-            <a:pPr defTabSz="457200"/>
-            <a:r>
-              <a:rPr lang="en-US" sz="3200" i="1" dirty="0">
+          <a:lstStyle>
+            <a:lvl1pPr>
+              <a:spcBef>
+                <a:spcPct val="0"/>
+              </a:spcBef>
+              <a:buNone/>
+              <a:defRPr kumimoji="0" sz="2400">
+                <a:ln w="0"/>
                 <a:solidFill>
-                  <a:srgbClr val="E7E6E6">
-                    <a:lumMod val="50000"/>
-                  </a:srgbClr>
+                  <a:schemeClr val="tx2"/>
                 </a:solidFill>
-                <a:latin typeface="Adobe Hebrew" panose="02040503050201020203" pitchFamily="18" charset="-79"/>
-                <a:cs typeface="Adobe Hebrew" panose="02040503050201020203" pitchFamily="18" charset="-79"/>
-              </a:rPr>
-              <a:t>“The new becomes old, and the old becomes new…a life cycle”</a:t>
-            </a:r>
-          </a:p>
-        </p:txBody>
-      </p:sp>
+                <a:effectLst>
+                  <a:outerShdw blurRad="38100" dist="19050" dir="2700000" algn="tl" rotWithShape="0">
+                    <a:schemeClr val="dk1">
+                      <a:alpha val="40000"/>
+                    </a:schemeClr>
+                  </a:outerShdw>
+                </a:effectLst>
+                <a:latin typeface="+mj-lt"/>
+                <a:ea typeface="+mj-ea"/>
+                <a:cs typeface="+mj-cs"/>
+              </a:defRPr>
+            </a:lvl1pPr>
+          </a:lstStyle>
+          <a:p>
+            <a:r>
+              <a:rPr lang="es-PE" altLang="en-US" dirty="0"/>
+              <a:t>Referencias</a:t>
+            </a:r>
+          </a:p>
+        </p:txBody>
+      </p:sp>
+      <p:grpSp>
+        <p:nvGrpSpPr>
+          <p:cNvPr id="5" name="Grupo 4"/>
+          <p:cNvGrpSpPr/>
+          <p:nvPr/>
+        </p:nvGrpSpPr>
+        <p:grpSpPr>
+          <a:xfrm>
+            <a:off x="899591" y="1052736"/>
+            <a:ext cx="1238250" cy="869315"/>
+            <a:chOff x="0" y="0"/>
+            <a:chExt cx="1848025" cy="1248861"/>
+          </a:xfrm>
+        </p:grpSpPr>
+        <p:pic>
+          <p:nvPicPr>
+            <p:cNvPr id="6" name="Picture 2" descr="Image result for julia language logo"/>
+            <p:cNvPicPr>
+              <a:picLocks noChangeAspect="1" noChangeArrowheads="1"/>
+            </p:cNvPicPr>
+            <p:nvPr/>
+          </p:nvPicPr>
+          <p:blipFill>
+            <a:blip r:embed="rId2" cstate="print">
+              <a:extLst>
+                <a:ext uri="{28A0092B-C50C-407E-A947-70E740481C1C}">
+                  <a14:useLocalDpi xmlns:a14="http://schemas.microsoft.com/office/drawing/2010/main" val="0"/>
+                </a:ext>
+              </a:extLst>
+            </a:blip>
+            <a:srcRect/>
+            <a:stretch>
+              <a:fillRect/>
+            </a:stretch>
+          </p:blipFill>
+          <p:spPr bwMode="auto">
+            <a:xfrm>
+              <a:off x="0" y="0"/>
+              <a:ext cx="1848025" cy="1248861"/>
+            </a:xfrm>
+            <a:prstGeom prst="rect">
+              <a:avLst/>
+            </a:prstGeom>
+            <a:noFill/>
+            <a:extLst>
+              <a:ext uri="{909E8E84-426E-40DD-AFC4-6F175D3DCCD1}">
+                <a14:hiddenFill xmlns:a14="http://schemas.microsoft.com/office/drawing/2010/main">
+                  <a:solidFill>
+                    <a:srgbClr val="FFFFFF"/>
+                  </a:solidFill>
+                </a14:hiddenFill>
+              </a:ext>
+            </a:extLst>
+          </p:spPr>
+        </p:pic>
+        <p:pic>
+          <p:nvPicPr>
+            <p:cNvPr id="7" name="Picture 10" descr="Related image"/>
+            <p:cNvPicPr>
+              <a:picLocks noChangeAspect="1" noChangeArrowheads="1"/>
+            </p:cNvPicPr>
+            <p:nvPr/>
+          </p:nvPicPr>
+          <p:blipFill rotWithShape="1">
+            <a:blip r:embed="rId3" cstate="print">
+              <a:extLst>
+                <a:ext uri="{28A0092B-C50C-407E-A947-70E740481C1C}">
+                  <a14:useLocalDpi xmlns:a14="http://schemas.microsoft.com/office/drawing/2010/main" val="0"/>
+                </a:ext>
+              </a:extLst>
+            </a:blip>
+            <a:srcRect b="23736"/>
+            <a:stretch/>
+          </p:blipFill>
+          <p:spPr bwMode="auto">
+            <a:xfrm>
+              <a:off x="1085037" y="0"/>
+              <a:ext cx="615001" cy="469021"/>
+            </a:xfrm>
+            <a:prstGeom prst="rect">
+              <a:avLst/>
+            </a:prstGeom>
+            <a:noFill/>
+            <a:extLst>
+              <a:ext uri="{909E8E84-426E-40DD-AFC4-6F175D3DCCD1}">
+                <a14:hiddenFill xmlns:a14="http://schemas.microsoft.com/office/drawing/2010/main">
+                  <a:solidFill>
+                    <a:srgbClr val="FFFFFF"/>
+                  </a:solidFill>
+                </a14:hiddenFill>
+              </a:ext>
+            </a:extLst>
+          </p:spPr>
+        </p:pic>
+      </p:grpSp>
       <p:pic>
         <p:nvPicPr>
-          <p:cNvPr id="2" name="Imagen 1"/>
-          <p:cNvPicPr>
-            <a:picLocks noChangeAspect="1"/>
-          </p:cNvPicPr>
+          <p:cNvPr id="8" name="Imagen 7"/>
+          <p:cNvPicPr/>
           <p:nvPr/>
         </p:nvPicPr>
         <p:blipFill>
-          <a:blip r:embed="rId2">
+          <a:blip r:embed="rId4" cstate="print">
             <a:extLst>
               <a:ext uri="{28A0092B-C50C-407E-A947-70E740481C1C}">
                 <a14:useLocalDpi xmlns:a14="http://schemas.microsoft.com/office/drawing/2010/main" val="0"/>
@@ -5919,32 +7069,283 @@
         </p:blipFill>
         <p:spPr>
           <a:xfrm>
-            <a:off x="3275856" y="2564904"/>
-            <a:ext cx="4980435" cy="3512244"/>
+            <a:off x="333418" y="2276872"/>
+            <a:ext cx="2370593" cy="767069"/>
           </a:xfrm>
           <a:prstGeom prst="rect">
             <a:avLst/>
           </a:prstGeom>
         </p:spPr>
       </p:pic>
+      <p:pic>
+        <p:nvPicPr>
+          <p:cNvPr id="2050" name="Picture 2" descr="Image result for glpk logo"/>
+          <p:cNvPicPr>
+            <a:picLocks noChangeAspect="1" noChangeArrowheads="1"/>
+          </p:cNvPicPr>
+          <p:nvPr/>
+        </p:nvPicPr>
+        <p:blipFill>
+          <a:blip r:embed="rId5">
+            <a:extLst>
+              <a:ext uri="{28A0092B-C50C-407E-A947-70E740481C1C}">
+                <a14:useLocalDpi xmlns:a14="http://schemas.microsoft.com/office/drawing/2010/main" val="0"/>
+              </a:ext>
+            </a:extLst>
+          </a:blip>
+          <a:srcRect/>
+          <a:stretch>
+            <a:fillRect/>
+          </a:stretch>
+        </p:blipFill>
+        <p:spPr bwMode="auto">
+          <a:xfrm>
+            <a:off x="1042466" y="3501008"/>
+            <a:ext cx="952500" cy="952500"/>
+          </a:xfrm>
+          <a:prstGeom prst="rect">
+            <a:avLst/>
+          </a:prstGeom>
+          <a:noFill/>
+          <a:extLst>
+            <a:ext uri="{909E8E84-426E-40DD-AFC4-6F175D3DCCD1}">
+              <a14:hiddenFill xmlns:a14="http://schemas.microsoft.com/office/drawing/2010/main">
+                <a:solidFill>
+                  <a:srgbClr val="FFFFFF"/>
+                </a:solidFill>
+              </a14:hiddenFill>
+            </a:ext>
+          </a:extLst>
+        </p:spPr>
+      </p:pic>
+      <p:pic>
+        <p:nvPicPr>
+          <p:cNvPr id="2052" name="Picture 4" descr="Image result for Ipopt logo"/>
+          <p:cNvPicPr>
+            <a:picLocks noChangeAspect="1" noChangeArrowheads="1"/>
+          </p:cNvPicPr>
+          <p:nvPr/>
+        </p:nvPicPr>
+        <p:blipFill>
+          <a:blip r:embed="rId6" cstate="print">
+            <a:extLst>
+              <a:ext uri="{28A0092B-C50C-407E-A947-70E740481C1C}">
+                <a14:useLocalDpi xmlns:a14="http://schemas.microsoft.com/office/drawing/2010/main" val="0"/>
+              </a:ext>
+            </a:extLst>
+          </a:blip>
+          <a:srcRect/>
+          <a:stretch>
+            <a:fillRect/>
+          </a:stretch>
+        </p:blipFill>
+        <p:spPr bwMode="auto">
+          <a:xfrm>
+            <a:off x="930683" y="4797152"/>
+            <a:ext cx="1176065" cy="1158424"/>
+          </a:xfrm>
+          <a:prstGeom prst="rect">
+            <a:avLst/>
+          </a:prstGeom>
+          <a:noFill/>
+          <a:extLst>
+            <a:ext uri="{909E8E84-426E-40DD-AFC4-6F175D3DCCD1}">
+              <a14:hiddenFill xmlns:a14="http://schemas.microsoft.com/office/drawing/2010/main">
+                <a:solidFill>
+                  <a:srgbClr val="FFFFFF"/>
+                </a:solidFill>
+              </a14:hiddenFill>
+            </a:ext>
+          </a:extLst>
+        </p:spPr>
+      </p:pic>
+      <p:sp>
+        <p:nvSpPr>
+          <p:cNvPr id="4" name="CuadroTexto 3"/>
+          <p:cNvSpPr txBox="1"/>
+          <p:nvPr/>
+        </p:nvSpPr>
+        <p:spPr>
+          <a:xfrm>
+            <a:off x="3491880" y="1302727"/>
+            <a:ext cx="2614049" cy="338554"/>
+          </a:xfrm>
+          <a:prstGeom prst="rect">
+            <a:avLst/>
+          </a:prstGeom>
+          <a:noFill/>
+        </p:spPr>
+        <p:txBody>
+          <a:bodyPr wrap="none" rtlCol="0">
+            <a:spAutoFit/>
+          </a:bodyPr>
+          <a:lstStyle/>
+          <a:p>
+            <a:r>
+              <a:rPr lang="es-PE" sz="1600" dirty="0"/>
+              <a:t>Link: </a:t>
+            </a:r>
+            <a:r>
+              <a:rPr lang="es-PE" sz="1600" dirty="0">
+                <a:hlinkClick r:id="rId7"/>
+              </a:rPr>
+              <a:t>Home · </a:t>
+            </a:r>
+            <a:r>
+              <a:rPr lang="es-PE" sz="1600" dirty="0" err="1">
+                <a:hlinkClick r:id="rId7"/>
+              </a:rPr>
+              <a:t>The</a:t>
+            </a:r>
+            <a:r>
+              <a:rPr lang="es-PE" sz="1600" dirty="0">
+                <a:hlinkClick r:id="rId7"/>
+              </a:rPr>
+              <a:t> Julia </a:t>
+            </a:r>
+            <a:r>
+              <a:rPr lang="es-PE" sz="1600" dirty="0" err="1">
+                <a:hlinkClick r:id="rId7"/>
+              </a:rPr>
+              <a:t>Language</a:t>
+            </a:r>
+            <a:endParaRPr lang="es-PE" sz="1600" dirty="0"/>
+          </a:p>
+        </p:txBody>
+      </p:sp>
+      <p:sp>
+        <p:nvSpPr>
+          <p:cNvPr id="12" name="CuadroTexto 11"/>
+          <p:cNvSpPr txBox="1"/>
+          <p:nvPr/>
+        </p:nvSpPr>
+        <p:spPr>
+          <a:xfrm>
+            <a:off x="3491880" y="2475740"/>
+            <a:ext cx="2122119" cy="338554"/>
+          </a:xfrm>
+          <a:prstGeom prst="rect">
+            <a:avLst/>
+          </a:prstGeom>
+          <a:noFill/>
+        </p:spPr>
+        <p:txBody>
+          <a:bodyPr wrap="none" rtlCol="0">
+            <a:spAutoFit/>
+          </a:bodyPr>
+          <a:lstStyle/>
+          <a:p>
+            <a:r>
+              <a:rPr lang="es-PE" sz="1600" dirty="0"/>
+              <a:t>Link: </a:t>
+            </a:r>
+            <a:r>
+              <a:rPr lang="es-PE" sz="1600" dirty="0" err="1">
+                <a:hlinkClick r:id="rId8"/>
+              </a:rPr>
+              <a:t>Introduction</a:t>
+            </a:r>
+            <a:r>
+              <a:rPr lang="es-PE" sz="1600" dirty="0">
+                <a:hlinkClick r:id="rId8"/>
+              </a:rPr>
+              <a:t> · </a:t>
+            </a:r>
+            <a:r>
+              <a:rPr lang="es-PE" sz="1600" dirty="0" err="1">
+                <a:hlinkClick r:id="rId8"/>
+              </a:rPr>
+              <a:t>JuMP</a:t>
+            </a:r>
+            <a:endParaRPr lang="es-PE" sz="1600" dirty="0"/>
+          </a:p>
+        </p:txBody>
+      </p:sp>
+      <p:sp>
+        <p:nvSpPr>
+          <p:cNvPr id="14" name="CuadroTexto 13"/>
+          <p:cNvSpPr txBox="1"/>
+          <p:nvPr/>
+        </p:nvSpPr>
+        <p:spPr>
+          <a:xfrm>
+            <a:off x="3491880" y="3792592"/>
+            <a:ext cx="4743414" cy="338554"/>
+          </a:xfrm>
+          <a:prstGeom prst="rect">
+            <a:avLst/>
+          </a:prstGeom>
+          <a:noFill/>
+        </p:spPr>
+        <p:txBody>
+          <a:bodyPr wrap="none" rtlCol="0">
+            <a:spAutoFit/>
+          </a:bodyPr>
+          <a:lstStyle/>
+          <a:p>
+            <a:r>
+              <a:rPr lang="es-PE" sz="1600" dirty="0"/>
+              <a:t>Link: </a:t>
+            </a:r>
+            <a:r>
+              <a:rPr lang="en-US" sz="1600" dirty="0">
+                <a:hlinkClick r:id="rId9"/>
+              </a:rPr>
+              <a:t>GLPK - GNU Project - Free Software Foundation (FSF)</a:t>
+            </a:r>
+            <a:endParaRPr lang="es-PE" sz="1600" dirty="0"/>
+          </a:p>
+        </p:txBody>
+      </p:sp>
+      <p:sp>
+        <p:nvSpPr>
+          <p:cNvPr id="16" name="CuadroTexto 15"/>
+          <p:cNvSpPr txBox="1"/>
+          <p:nvPr/>
+        </p:nvSpPr>
+        <p:spPr>
+          <a:xfrm>
+            <a:off x="3491880" y="5191698"/>
+            <a:ext cx="5301388" cy="584775"/>
+          </a:xfrm>
+          <a:prstGeom prst="rect">
+            <a:avLst/>
+          </a:prstGeom>
+          <a:noFill/>
+        </p:spPr>
+        <p:txBody>
+          <a:bodyPr wrap="square" rtlCol="0">
+            <a:spAutoFit/>
+          </a:bodyPr>
+          <a:lstStyle/>
+          <a:p>
+            <a:r>
+              <a:rPr lang="es-PE" sz="1600" dirty="0"/>
+              <a:t>Link: </a:t>
+            </a:r>
+            <a:r>
+              <a:rPr lang="en-US" sz="1600" dirty="0">
+                <a:hlinkClick r:id="rId10"/>
+              </a:rPr>
+              <a:t>Introduction to IPOPT: A tutorial for downloading, installing, and using IPOPT</a:t>
+            </a:r>
+            <a:endParaRPr lang="es-PE" sz="1600" dirty="0"/>
+          </a:p>
+        </p:txBody>
+      </p:sp>
     </p:spTree>
     <p:extLst>
       <p:ext uri="{BB962C8B-B14F-4D97-AF65-F5344CB8AC3E}">
-        <p14:creationId xmlns:p14="http://schemas.microsoft.com/office/powerpoint/2010/main" val="3103930866"/>
+        <p14:creationId xmlns:p14="http://schemas.microsoft.com/office/powerpoint/2010/main" val="2853553703"/>
       </p:ext>
     </p:extLst>
   </p:cSld>
   <p:clrMapOvr>
     <a:masterClrMapping/>
   </p:clrMapOvr>
-  <mc:AlternateContent xmlns:mc="http://schemas.openxmlformats.org/markup-compatibility/2006" xmlns:p14="http://schemas.microsoft.com/office/powerpoint/2010/main">
-    <mc:Choice Requires="p14">
-      <p:transition p14:dur="10"/>
-    </mc:Choice>
-    <mc:Fallback xmlns="">
-      <p:transition/>
-    </mc:Fallback>
-  </mc:AlternateContent>
+  <p:transition spd="slow">
+    <p:fade/>
+  </p:transition>
 </p:sld>
 </file>
 
